--- a/docs/diagrams/AddFriendCommand.pptx
+++ b/docs/diagrams/AddFriendCommand.pptx
@@ -243,7 +243,7 @@
           <a:p>
             <a:fld id="{FF41785B-D0C4-4664-8FAF-554C38EAB2B2}" type="datetimeFigureOut">
               <a:rPr lang="en-SG" smtClean="0"/>
-              <a:t>8/11/2018</a:t>
+              <a:t>12/11/2018</a:t>
             </a:fld>
             <a:endParaRPr lang="en-SG"/>
           </a:p>
@@ -413,7 +413,7 @@
           <a:p>
             <a:fld id="{FF41785B-D0C4-4664-8FAF-554C38EAB2B2}" type="datetimeFigureOut">
               <a:rPr lang="en-SG" smtClean="0"/>
-              <a:t>8/11/2018</a:t>
+              <a:t>12/11/2018</a:t>
             </a:fld>
             <a:endParaRPr lang="en-SG"/>
           </a:p>
@@ -593,7 +593,7 @@
           <a:p>
             <a:fld id="{FF41785B-D0C4-4664-8FAF-554C38EAB2B2}" type="datetimeFigureOut">
               <a:rPr lang="en-SG" smtClean="0"/>
-              <a:t>8/11/2018</a:t>
+              <a:t>12/11/2018</a:t>
             </a:fld>
             <a:endParaRPr lang="en-SG"/>
           </a:p>
@@ -763,7 +763,7 @@
           <a:p>
             <a:fld id="{FF41785B-D0C4-4664-8FAF-554C38EAB2B2}" type="datetimeFigureOut">
               <a:rPr lang="en-SG" smtClean="0"/>
-              <a:t>8/11/2018</a:t>
+              <a:t>12/11/2018</a:t>
             </a:fld>
             <a:endParaRPr lang="en-SG"/>
           </a:p>
@@ -1009,7 +1009,7 @@
           <a:p>
             <a:fld id="{FF41785B-D0C4-4664-8FAF-554C38EAB2B2}" type="datetimeFigureOut">
               <a:rPr lang="en-SG" smtClean="0"/>
-              <a:t>8/11/2018</a:t>
+              <a:t>12/11/2018</a:t>
             </a:fld>
             <a:endParaRPr lang="en-SG"/>
           </a:p>
@@ -1241,7 +1241,7 @@
           <a:p>
             <a:fld id="{FF41785B-D0C4-4664-8FAF-554C38EAB2B2}" type="datetimeFigureOut">
               <a:rPr lang="en-SG" smtClean="0"/>
-              <a:t>8/11/2018</a:t>
+              <a:t>12/11/2018</a:t>
             </a:fld>
             <a:endParaRPr lang="en-SG"/>
           </a:p>
@@ -1608,7 +1608,7 @@
           <a:p>
             <a:fld id="{FF41785B-D0C4-4664-8FAF-554C38EAB2B2}" type="datetimeFigureOut">
               <a:rPr lang="en-SG" smtClean="0"/>
-              <a:t>8/11/2018</a:t>
+              <a:t>12/11/2018</a:t>
             </a:fld>
             <a:endParaRPr lang="en-SG"/>
           </a:p>
@@ -1726,7 +1726,7 @@
           <a:p>
             <a:fld id="{FF41785B-D0C4-4664-8FAF-554C38EAB2B2}" type="datetimeFigureOut">
               <a:rPr lang="en-SG" smtClean="0"/>
-              <a:t>8/11/2018</a:t>
+              <a:t>12/11/2018</a:t>
             </a:fld>
             <a:endParaRPr lang="en-SG"/>
           </a:p>
@@ -1821,7 +1821,7 @@
           <a:p>
             <a:fld id="{FF41785B-D0C4-4664-8FAF-554C38EAB2B2}" type="datetimeFigureOut">
               <a:rPr lang="en-SG" smtClean="0"/>
-              <a:t>8/11/2018</a:t>
+              <a:t>12/11/2018</a:t>
             </a:fld>
             <a:endParaRPr lang="en-SG"/>
           </a:p>
@@ -2098,7 +2098,7 @@
           <a:p>
             <a:fld id="{FF41785B-D0C4-4664-8FAF-554C38EAB2B2}" type="datetimeFigureOut">
               <a:rPr lang="en-SG" smtClean="0"/>
-              <a:t>8/11/2018</a:t>
+              <a:t>12/11/2018</a:t>
             </a:fld>
             <a:endParaRPr lang="en-SG"/>
           </a:p>
@@ -2355,7 +2355,7 @@
           <a:p>
             <a:fld id="{FF41785B-D0C4-4664-8FAF-554C38EAB2B2}" type="datetimeFigureOut">
               <a:rPr lang="en-SG" smtClean="0"/>
-              <a:t>8/11/2018</a:t>
+              <a:t>12/11/2018</a:t>
             </a:fld>
             <a:endParaRPr lang="en-SG"/>
           </a:p>
@@ -2568,7 +2568,7 @@
           <a:p>
             <a:fld id="{FF41785B-D0C4-4664-8FAF-554C38EAB2B2}" type="datetimeFigureOut">
               <a:rPr lang="en-SG" smtClean="0"/>
-              <a:t>8/11/2018</a:t>
+              <a:t>12/11/2018</a:t>
             </a:fld>
             <a:endParaRPr lang="en-SG"/>
           </a:p>
@@ -3023,10 +3023,7 @@
           <a:lstStyle/>
           <a:p>
             <a:pPr algn="ctr"/>
-            <a:r>
-              <a:rPr lang="en-SG" sz="2362" dirty="0"/>
-              <a:t>xx</a:t>
-            </a:r>
+            <a:endParaRPr lang="en-SG" sz="2362" dirty="0"/>
           </a:p>
         </p:txBody>
       </p:sp>
@@ -3044,7 +3041,7 @@
         </p:nvSpPr>
         <p:spPr>
           <a:xfrm>
-            <a:off x="369796" y="-423879"/>
+            <a:off x="611868" y="-305346"/>
             <a:ext cx="12880216" cy="8785660"/>
           </a:xfrm>
           <a:prstGeom prst="roundRect">
@@ -3412,7 +3409,7 @@
                   <a:schemeClr val="accent1"/>
                 </a:solidFill>
               </a:rPr>
-              <a:t> 1,2”)</a:t>
+              <a:t> 2”)</a:t>
             </a:r>
           </a:p>
         </p:txBody>
@@ -3621,7 +3618,7 @@
                   <a:schemeClr val="accent1"/>
                 </a:solidFill>
               </a:rPr>
-              <a:t> 1,2”)</a:t>
+              <a:t> 2”)</a:t>
             </a:r>
           </a:p>
         </p:txBody>
@@ -4113,7 +4110,7 @@
                   <a:schemeClr val="accent1"/>
                 </a:solidFill>
               </a:rPr>
-              <a:t>parse(“1,2”)</a:t>
+              <a:t>parse(“2”)</a:t>
             </a:r>
           </a:p>
         </p:txBody>
@@ -4578,7 +4575,7 @@
         </p:nvSpPr>
         <p:spPr>
           <a:xfrm>
-            <a:off x="3583050" y="4185722"/>
+            <a:off x="3611123" y="4273896"/>
             <a:ext cx="387514" cy="294248"/>
           </a:xfrm>
           <a:prstGeom prst="rect">
@@ -4837,9 +4834,9 @@
           <p:nvPr/>
         </p:nvCxnSpPr>
         <p:spPr>
-          <a:xfrm>
-            <a:off x="10018677" y="4966356"/>
-            <a:ext cx="1282977" cy="0"/>
+          <a:xfrm flipV="1">
+            <a:off x="10018677" y="4964132"/>
+            <a:ext cx="5072042" cy="2224"/>
           </a:xfrm>
           <a:prstGeom prst="straightConnector1">
             <a:avLst/>
@@ -4877,7 +4874,7 @@
         </p:nvSpPr>
         <p:spPr>
           <a:xfrm>
-            <a:off x="11299938" y="4806890"/>
+            <a:off x="19238506" y="4253227"/>
             <a:ext cx="1498201" cy="340221"/>
           </a:xfrm>
           <a:prstGeom prst="rect">
@@ -4928,7 +4925,7 @@
         </p:nvSpPr>
         <p:spPr>
           <a:xfrm>
-            <a:off x="11299938" y="4749874"/>
+            <a:off x="19238506" y="4215630"/>
             <a:ext cx="1410273" cy="395173"/>
           </a:xfrm>
           <a:prstGeom prst="rect">
@@ -4967,7 +4964,7 @@
         </p:nvSpPr>
         <p:spPr>
           <a:xfrm>
-            <a:off x="11892128" y="5148370"/>
+            <a:off x="19822779" y="4593448"/>
             <a:ext cx="313822" cy="199990"/>
           </a:xfrm>
           <a:prstGeom prst="rect">
@@ -5004,48 +5001,6 @@
           </a:p>
         </p:txBody>
       </p:sp>
-      <p:cxnSp>
-        <p:nvCxnSpPr>
-          <p:cNvPr id="88" name="Straight Arrow Connector 87">
-            <a:extLst>
-              <a:ext uri="{FF2B5EF4-FFF2-40B4-BE49-F238E27FC236}">
-                <a16:creationId xmlns:a16="http://schemas.microsoft.com/office/drawing/2014/main" id="{6B24B859-B393-4719-8595-DF13FCBD38A8}"/>
-              </a:ext>
-            </a:extLst>
-          </p:cNvPr>
-          <p:cNvCxnSpPr>
-            <a:cxnSpLocks/>
-          </p:cNvCxnSpPr>
-          <p:nvPr/>
-        </p:nvCxnSpPr>
-        <p:spPr>
-          <a:xfrm flipH="1">
-            <a:off x="10060289" y="5348360"/>
-            <a:ext cx="1806142" cy="0"/>
-          </a:xfrm>
-          <a:prstGeom prst="straightConnector1">
-            <a:avLst/>
-          </a:prstGeom>
-          <a:ln>
-            <a:prstDash val="lgDash"/>
-            <a:tailEnd type="triangle"/>
-          </a:ln>
-        </p:spPr>
-        <p:style>
-          <a:lnRef idx="1">
-            <a:schemeClr val="accent1"/>
-          </a:lnRef>
-          <a:fillRef idx="0">
-            <a:schemeClr val="accent1"/>
-          </a:fillRef>
-          <a:effectRef idx="0">
-            <a:schemeClr val="accent1"/>
-          </a:effectRef>
-          <a:fontRef idx="minor">
-            <a:schemeClr val="tx1"/>
-          </a:fontRef>
-        </p:style>
-      </p:cxnSp>
       <p:sp>
         <p:nvSpPr>
           <p:cNvPr id="93" name="Rectangle 92">
@@ -5060,12 +5015,15 @@
         </p:nvSpPr>
         <p:spPr>
           <a:xfrm>
-            <a:off x="11265403" y="5510198"/>
+            <a:off x="13479970" y="5828631"/>
             <a:ext cx="1498201" cy="340221"/>
           </a:xfrm>
           <a:prstGeom prst="rect">
             <a:avLst/>
           </a:prstGeom>
+          <a:solidFill>
+            <a:srgbClr val="7030A0"/>
+          </a:solidFill>
         </p:spPr>
         <p:style>
           <a:lnRef idx="2">
@@ -5111,8 +5069,8 @@
         </p:nvSpPr>
         <p:spPr>
           <a:xfrm>
-            <a:off x="11299937" y="5470269"/>
-            <a:ext cx="1410273" cy="395173"/>
+            <a:off x="13485405" y="5783299"/>
+            <a:ext cx="1410273" cy="430887"/>
           </a:xfrm>
           <a:prstGeom prst="rect">
             <a:avLst/>
@@ -5126,12 +5084,20 @@
           <a:lstStyle/>
           <a:p>
             <a:r>
-              <a:rPr lang="en-SG" sz="1968" b="1" dirty="0">
+              <a:rPr lang="en-SG" sz="1100" b="1" dirty="0" err="1">
                 <a:solidFill>
                   <a:schemeClr val="bg1"/>
                 </a:solidFill>
               </a:rPr>
-              <a:t>p2: Person</a:t>
+              <a:t>personToEditCopy</a:t>
+            </a:r>
+            <a:r>
+              <a:rPr lang="en-SG" sz="1100" b="1" dirty="0">
+                <a:solidFill>
+                  <a:schemeClr val="bg1"/>
+                </a:solidFill>
+              </a:rPr>
+              <a:t>: Person</a:t>
             </a:r>
           </a:p>
         </p:txBody>
@@ -5152,8 +5118,8 @@
         </p:nvCxnSpPr>
         <p:spPr>
           <a:xfrm>
-            <a:off x="9986666" y="5674158"/>
-            <a:ext cx="1282977" cy="0"/>
+            <a:off x="10016958" y="5990231"/>
+            <a:ext cx="3461293" cy="0"/>
           </a:xfrm>
           <a:prstGeom prst="straightConnector1">
             <a:avLst/>
@@ -5191,12 +5157,15 @@
         </p:nvSpPr>
         <p:spPr>
           <a:xfrm>
-            <a:off x="11892128" y="5859548"/>
-            <a:ext cx="313822" cy="199990"/>
+            <a:off x="14070332" y="6177421"/>
+            <a:ext cx="313822" cy="129917"/>
           </a:xfrm>
           <a:prstGeom prst="rect">
             <a:avLst/>
           </a:prstGeom>
+          <a:solidFill>
+            <a:srgbClr val="7030A0"/>
+          </a:solidFill>
         </p:spPr>
         <p:style>
           <a:lnRef idx="2">
@@ -5244,8 +5213,8 @@
         </p:nvCxnSpPr>
         <p:spPr>
           <a:xfrm flipH="1">
-            <a:off x="10067405" y="6070074"/>
-            <a:ext cx="1806142" cy="0"/>
+            <a:off x="10053939" y="6295749"/>
+            <a:ext cx="3944884" cy="8103"/>
           </a:xfrm>
           <a:prstGeom prst="straightConnector1">
             <a:avLst/>
@@ -5253,6 +5222,179 @@
           <a:ln>
             <a:prstDash val="lgDash"/>
             <a:tailEnd type="triangle"/>
+          </a:ln>
+        </p:spPr>
+        <p:style>
+          <a:lnRef idx="1">
+            <a:schemeClr val="accent1"/>
+          </a:lnRef>
+          <a:fillRef idx="0">
+            <a:schemeClr val="accent1"/>
+          </a:fillRef>
+          <a:effectRef idx="0">
+            <a:schemeClr val="accent1"/>
+          </a:effectRef>
+          <a:fontRef idx="minor">
+            <a:schemeClr val="tx1"/>
+          </a:fontRef>
+        </p:style>
+      </p:cxnSp>
+      <p:sp>
+        <p:nvSpPr>
+          <p:cNvPr id="121" name="TextBox 120">
+            <a:extLst>
+              <a:ext uri="{FF2B5EF4-FFF2-40B4-BE49-F238E27FC236}">
+                <a16:creationId xmlns:a16="http://schemas.microsoft.com/office/drawing/2014/main" id="{77D985DB-6267-43F7-991C-F4B6942A9B0E}"/>
+              </a:ext>
+            </a:extLst>
+          </p:cNvPr>
+          <p:cNvSpPr txBox="1"/>
+          <p:nvPr/>
+        </p:nvSpPr>
+        <p:spPr>
+          <a:xfrm>
+            <a:off x="13676850" y="224555"/>
+            <a:ext cx="1255491" cy="496290"/>
+          </a:xfrm>
+          <a:prstGeom prst="rect">
+            <a:avLst/>
+          </a:prstGeom>
+          <a:noFill/>
+        </p:spPr>
+        <p:txBody>
+          <a:bodyPr wrap="square" rtlCol="0">
+            <a:spAutoFit/>
+          </a:bodyPr>
+          <a:lstStyle/>
+          <a:p>
+            <a:r>
+              <a:rPr lang="en-SG" sz="2625" b="1" dirty="0">
+                <a:solidFill>
+                  <a:srgbClr val="7030A0"/>
+                </a:solidFill>
+              </a:rPr>
+              <a:t>Model</a:t>
+            </a:r>
+          </a:p>
+        </p:txBody>
+      </p:sp>
+      <p:sp>
+        <p:nvSpPr>
+          <p:cNvPr id="122" name="Rectangle 121">
+            <a:extLst>
+              <a:ext uri="{FF2B5EF4-FFF2-40B4-BE49-F238E27FC236}">
+                <a16:creationId xmlns:a16="http://schemas.microsoft.com/office/drawing/2014/main" id="{B8967C62-A403-4EAC-84C7-EBEFB8BAE0AE}"/>
+              </a:ext>
+            </a:extLst>
+          </p:cNvPr>
+          <p:cNvSpPr/>
+          <p:nvPr/>
+        </p:nvSpPr>
+        <p:spPr>
+          <a:xfrm>
+            <a:off x="14168473" y="2670465"/>
+            <a:ext cx="2299880" cy="830435"/>
+          </a:xfrm>
+          <a:prstGeom prst="rect">
+            <a:avLst/>
+          </a:prstGeom>
+          <a:solidFill>
+            <a:srgbClr val="7030A0"/>
+          </a:solidFill>
+        </p:spPr>
+        <p:style>
+          <a:lnRef idx="2">
+            <a:schemeClr val="accent1">
+              <a:shade val="50000"/>
+            </a:schemeClr>
+          </a:lnRef>
+          <a:fillRef idx="1">
+            <a:schemeClr val="accent1"/>
+          </a:fillRef>
+          <a:effectRef idx="0">
+            <a:schemeClr val="accent1"/>
+          </a:effectRef>
+          <a:fontRef idx="minor">
+            <a:schemeClr val="lt1"/>
+          </a:fontRef>
+        </p:style>
+        <p:txBody>
+          <a:bodyPr rot="0" spcFirstLastPara="0" vertOverflow="overflow" horzOverflow="overflow" vert="horz" wrap="square" lIns="119994" tIns="59997" rIns="119994" bIns="59997" numCol="1" spcCol="0" rtlCol="0" fromWordArt="0" anchor="ctr" anchorCtr="0" forceAA="0" compatLnSpc="1">
+            <a:prstTxWarp prst="textNoShape">
+              <a:avLst/>
+            </a:prstTxWarp>
+            <a:noAutofit/>
+          </a:bodyPr>
+          <a:lstStyle/>
+          <a:p>
+            <a:pPr algn="ctr"/>
+            <a:endParaRPr lang="en-SG" sz="2362"/>
+          </a:p>
+        </p:txBody>
+      </p:sp>
+      <p:sp>
+        <p:nvSpPr>
+          <p:cNvPr id="123" name="TextBox 122">
+            <a:extLst>
+              <a:ext uri="{FF2B5EF4-FFF2-40B4-BE49-F238E27FC236}">
+                <a16:creationId xmlns:a16="http://schemas.microsoft.com/office/drawing/2014/main" id="{CE69295E-38DE-4EA7-B3F8-C544D9E39F60}"/>
+              </a:ext>
+            </a:extLst>
+          </p:cNvPr>
+          <p:cNvSpPr txBox="1"/>
+          <p:nvPr/>
+        </p:nvSpPr>
+        <p:spPr>
+          <a:xfrm>
+            <a:off x="14168470" y="2823157"/>
+            <a:ext cx="2422096" cy="496290"/>
+          </a:xfrm>
+          <a:prstGeom prst="rect">
+            <a:avLst/>
+          </a:prstGeom>
+          <a:noFill/>
+        </p:spPr>
+        <p:txBody>
+          <a:bodyPr wrap="square" rtlCol="0">
+            <a:spAutoFit/>
+          </a:bodyPr>
+          <a:lstStyle/>
+          <a:p>
+            <a:r>
+              <a:rPr lang="en-SG" sz="2625" b="1" dirty="0">
+                <a:solidFill>
+                  <a:schemeClr val="bg1"/>
+                </a:solidFill>
+              </a:rPr>
+              <a:t>:Model</a:t>
+            </a:r>
+          </a:p>
+        </p:txBody>
+      </p:sp>
+      <p:cxnSp>
+        <p:nvCxnSpPr>
+          <p:cNvPr id="124" name="Straight Connector 123">
+            <a:extLst>
+              <a:ext uri="{FF2B5EF4-FFF2-40B4-BE49-F238E27FC236}">
+                <a16:creationId xmlns:a16="http://schemas.microsoft.com/office/drawing/2014/main" id="{04C83FAC-C102-47F7-8277-CD2FA06B1D3D}"/>
+              </a:ext>
+            </a:extLst>
+          </p:cNvPr>
+          <p:cNvCxnSpPr>
+            <a:cxnSpLocks/>
+          </p:cNvCxnSpPr>
+          <p:nvPr/>
+        </p:nvCxnSpPr>
+        <p:spPr>
+          <a:xfrm>
+            <a:off x="15244825" y="3531441"/>
+            <a:ext cx="14070" cy="3459065"/>
+          </a:xfrm>
+          <a:prstGeom prst="line">
+            <a:avLst/>
+          </a:prstGeom>
+          <a:ln w="12700">
+            <a:prstDash val="dash"/>
           </a:ln>
         </p:spPr>
         <p:style>
@@ -5272,22 +5414,24 @@
       </p:cxnSp>
       <p:cxnSp>
         <p:nvCxnSpPr>
-          <p:cNvPr id="112" name="Connector: Curved 111">
-            <a:extLst>
-              <a:ext uri="{FF2B5EF4-FFF2-40B4-BE49-F238E27FC236}">
-                <a16:creationId xmlns:a16="http://schemas.microsoft.com/office/drawing/2014/main" id="{CE437E53-415A-4375-BE83-8DF7E45D592B}"/>
-              </a:ext>
-            </a:extLst>
-          </p:cNvPr>
-          <p:cNvCxnSpPr/>
+          <p:cNvPr id="129" name="Straight Arrow Connector 128">
+            <a:extLst>
+              <a:ext uri="{FF2B5EF4-FFF2-40B4-BE49-F238E27FC236}">
+                <a16:creationId xmlns:a16="http://schemas.microsoft.com/office/drawing/2014/main" id="{01C51495-946F-48C6-B839-36EA40A78787}"/>
+              </a:ext>
+            </a:extLst>
+          </p:cNvPr>
+          <p:cNvCxnSpPr>
+            <a:cxnSpLocks/>
+          </p:cNvCxnSpPr>
           <p:nvPr/>
         </p:nvCxnSpPr>
         <p:spPr>
-          <a:xfrm rot="16200000" flipH="1">
-            <a:off x="9864466" y="6148411"/>
-            <a:ext cx="391647" cy="147247"/>
-          </a:xfrm>
-          <a:prstGeom prst="curvedConnector3">
+          <a:xfrm flipV="1">
+            <a:off x="9986666" y="7018888"/>
+            <a:ext cx="5104053" cy="41826"/>
+          </a:xfrm>
+          <a:prstGeom prst="straightConnector1">
             <a:avLst/>
           </a:prstGeom>
           <a:ln>
@@ -5311,10 +5455,10 @@
       </p:cxnSp>
       <p:sp>
         <p:nvSpPr>
-          <p:cNvPr id="113" name="Rectangle 112">
-            <a:extLst>
-              <a:ext uri="{FF2B5EF4-FFF2-40B4-BE49-F238E27FC236}">
-                <a16:creationId xmlns:a16="http://schemas.microsoft.com/office/drawing/2014/main" id="{97E81137-1865-4863-9A70-DFD42332B44C}"/>
+          <p:cNvPr id="133" name="Rectangle 132">
+            <a:extLst>
+              <a:ext uri="{FF2B5EF4-FFF2-40B4-BE49-F238E27FC236}">
+                <a16:creationId xmlns:a16="http://schemas.microsoft.com/office/drawing/2014/main" id="{13B8807C-212D-470B-8B35-31595B9817AC}"/>
               </a:ext>
             </a:extLst>
           </p:cNvPr>
@@ -5323,12 +5467,15 @@
         </p:nvSpPr>
         <p:spPr>
           <a:xfrm>
-            <a:off x="9999266" y="6405156"/>
-            <a:ext cx="134648" cy="368783"/>
+            <a:off x="15115811" y="7018888"/>
+            <a:ext cx="342695" cy="112263"/>
           </a:xfrm>
           <a:prstGeom prst="rect">
             <a:avLst/>
           </a:prstGeom>
+          <a:solidFill>
+            <a:srgbClr val="7030A0"/>
+          </a:solidFill>
         </p:spPr>
         <p:style>
           <a:lnRef idx="2">
@@ -5362,10 +5509,10 @@
       </p:sp>
       <p:sp>
         <p:nvSpPr>
-          <p:cNvPr id="114" name="TextBox 113">
-            <a:extLst>
-              <a:ext uri="{FF2B5EF4-FFF2-40B4-BE49-F238E27FC236}">
-                <a16:creationId xmlns:a16="http://schemas.microsoft.com/office/drawing/2014/main" id="{E0DF88E0-C86F-4009-A80B-9E9DCCAF548E}"/>
+          <p:cNvPr id="134" name="TextBox 133">
+            <a:extLst>
+              <a:ext uri="{FF2B5EF4-FFF2-40B4-BE49-F238E27FC236}">
+                <a16:creationId xmlns:a16="http://schemas.microsoft.com/office/drawing/2014/main" id="{8407C4CF-570F-4EC2-B404-5099AD7421C8}"/>
               </a:ext>
             </a:extLst>
           </p:cNvPr>
@@ -5374,96 +5521,8 @@
         </p:nvSpPr>
         <p:spPr>
           <a:xfrm>
-            <a:off x="10067405" y="6183659"/>
-            <a:ext cx="2315070" cy="294248"/>
-          </a:xfrm>
-          <a:prstGeom prst="rect">
-            <a:avLst/>
-          </a:prstGeom>
-          <a:noFill/>
-        </p:spPr>
-        <p:txBody>
-          <a:bodyPr wrap="square" rtlCol="0">
-            <a:spAutoFit/>
-          </a:bodyPr>
-          <a:lstStyle/>
-          <a:p>
-            <a:r>
-              <a:rPr lang="en-SG" sz="1312" dirty="0" err="1">
-                <a:solidFill>
-                  <a:schemeClr val="accent1"/>
-                </a:solidFill>
-              </a:rPr>
-              <a:t>addFriendEachOther</a:t>
-            </a:r>
-            <a:r>
-              <a:rPr lang="en-SG" sz="1312" dirty="0">
-                <a:solidFill>
-                  <a:schemeClr val="accent1"/>
-                </a:solidFill>
-              </a:rPr>
-              <a:t>(p1, p2)</a:t>
-            </a:r>
-          </a:p>
-        </p:txBody>
-      </p:sp>
-      <p:cxnSp>
-        <p:nvCxnSpPr>
-          <p:cNvPr id="116" name="Straight Arrow Connector 115">
-            <a:extLst>
-              <a:ext uri="{FF2B5EF4-FFF2-40B4-BE49-F238E27FC236}">
-                <a16:creationId xmlns:a16="http://schemas.microsoft.com/office/drawing/2014/main" id="{D8180EF8-E20C-40DD-B50F-77E480BA013A}"/>
-              </a:ext>
-            </a:extLst>
-          </p:cNvPr>
-          <p:cNvCxnSpPr>
-            <a:cxnSpLocks/>
-          </p:cNvCxnSpPr>
-          <p:nvPr/>
-        </p:nvCxnSpPr>
-        <p:spPr>
-          <a:xfrm flipV="1">
-            <a:off x="10068921" y="6809403"/>
-            <a:ext cx="5054799" cy="30026"/>
-          </a:xfrm>
-          <a:prstGeom prst="straightConnector1">
-            <a:avLst/>
-          </a:prstGeom>
-          <a:ln>
-            <a:tailEnd type="triangle"/>
-          </a:ln>
-        </p:spPr>
-        <p:style>
-          <a:lnRef idx="1">
-            <a:schemeClr val="accent1"/>
-          </a:lnRef>
-          <a:fillRef idx="0">
-            <a:schemeClr val="accent1"/>
-          </a:fillRef>
-          <a:effectRef idx="0">
-            <a:schemeClr val="accent1"/>
-          </a:effectRef>
-          <a:fontRef idx="minor">
-            <a:schemeClr val="tx1"/>
-          </a:fontRef>
-        </p:style>
-      </p:cxnSp>
-      <p:sp>
-        <p:nvSpPr>
-          <p:cNvPr id="118" name="TextBox 117">
-            <a:extLst>
-              <a:ext uri="{FF2B5EF4-FFF2-40B4-BE49-F238E27FC236}">
-                <a16:creationId xmlns:a16="http://schemas.microsoft.com/office/drawing/2014/main" id="{01749A95-9D21-4B5D-8711-E37815339E36}"/>
-              </a:ext>
-            </a:extLst>
-          </p:cNvPr>
-          <p:cNvSpPr txBox="1"/>
-          <p:nvPr/>
-        </p:nvSpPr>
-        <p:spPr>
-          <a:xfrm>
-            <a:off x="11195678" y="6557096"/>
-            <a:ext cx="2641618" cy="294248"/>
+            <a:off x="11087303" y="6971399"/>
+            <a:ext cx="3519691" cy="294248"/>
           </a:xfrm>
           <a:prstGeom prst="rect">
             <a:avLst/>
@@ -5490,409 +5549,15 @@
                   <a:srgbClr val="7030A0"/>
                 </a:solidFill>
               </a:rPr>
-              <a:t>(originalPerson1, p1)</a:t>
-            </a:r>
-          </a:p>
-        </p:txBody>
-      </p:sp>
-      <p:sp>
-        <p:nvSpPr>
-          <p:cNvPr id="121" name="TextBox 120">
-            <a:extLst>
-              <a:ext uri="{FF2B5EF4-FFF2-40B4-BE49-F238E27FC236}">
-                <a16:creationId xmlns:a16="http://schemas.microsoft.com/office/drawing/2014/main" id="{77D985DB-6267-43F7-991C-F4B6942A9B0E}"/>
-              </a:ext>
-            </a:extLst>
-          </p:cNvPr>
-          <p:cNvSpPr txBox="1"/>
-          <p:nvPr/>
-        </p:nvSpPr>
-        <p:spPr>
-          <a:xfrm>
-            <a:off x="13676850" y="224555"/>
-            <a:ext cx="1255491" cy="496290"/>
-          </a:xfrm>
-          <a:prstGeom prst="rect">
-            <a:avLst/>
-          </a:prstGeom>
-          <a:noFill/>
-        </p:spPr>
-        <p:txBody>
-          <a:bodyPr wrap="square" rtlCol="0">
-            <a:spAutoFit/>
-          </a:bodyPr>
-          <a:lstStyle/>
-          <a:p>
-            <a:r>
-              <a:rPr lang="en-SG" sz="2625" b="1" dirty="0">
-                <a:solidFill>
-                  <a:srgbClr val="7030A0"/>
-                </a:solidFill>
-              </a:rPr>
-              <a:t>Model</a:t>
-            </a:r>
-          </a:p>
-        </p:txBody>
-      </p:sp>
-      <p:sp>
-        <p:nvSpPr>
-          <p:cNvPr id="122" name="Rectangle 121">
-            <a:extLst>
-              <a:ext uri="{FF2B5EF4-FFF2-40B4-BE49-F238E27FC236}">
-                <a16:creationId xmlns:a16="http://schemas.microsoft.com/office/drawing/2014/main" id="{B8967C62-A403-4EAC-84C7-EBEFB8BAE0AE}"/>
-              </a:ext>
-            </a:extLst>
-          </p:cNvPr>
-          <p:cNvSpPr/>
-          <p:nvPr/>
-        </p:nvSpPr>
-        <p:spPr>
-          <a:xfrm>
-            <a:off x="14168473" y="2670465"/>
-            <a:ext cx="2299880" cy="830435"/>
-          </a:xfrm>
-          <a:prstGeom prst="rect">
-            <a:avLst/>
-          </a:prstGeom>
-          <a:solidFill>
-            <a:srgbClr val="7030A0"/>
-          </a:solidFill>
-        </p:spPr>
-        <p:style>
-          <a:lnRef idx="2">
-            <a:schemeClr val="accent1">
-              <a:shade val="50000"/>
-            </a:schemeClr>
-          </a:lnRef>
-          <a:fillRef idx="1">
-            <a:schemeClr val="accent1"/>
-          </a:fillRef>
-          <a:effectRef idx="0">
-            <a:schemeClr val="accent1"/>
-          </a:effectRef>
-          <a:fontRef idx="minor">
-            <a:schemeClr val="lt1"/>
-          </a:fontRef>
-        </p:style>
-        <p:txBody>
-          <a:bodyPr rot="0" spcFirstLastPara="0" vertOverflow="overflow" horzOverflow="overflow" vert="horz" wrap="square" lIns="119994" tIns="59997" rIns="119994" bIns="59997" numCol="1" spcCol="0" rtlCol="0" fromWordArt="0" anchor="ctr" anchorCtr="0" forceAA="0" compatLnSpc="1">
-            <a:prstTxWarp prst="textNoShape">
-              <a:avLst/>
-            </a:prstTxWarp>
-            <a:noAutofit/>
-          </a:bodyPr>
-          <a:lstStyle/>
-          <a:p>
-            <a:pPr algn="ctr"/>
-            <a:endParaRPr lang="en-SG" sz="2362"/>
-          </a:p>
-        </p:txBody>
-      </p:sp>
-      <p:sp>
-        <p:nvSpPr>
-          <p:cNvPr id="123" name="TextBox 122">
-            <a:extLst>
-              <a:ext uri="{FF2B5EF4-FFF2-40B4-BE49-F238E27FC236}">
-                <a16:creationId xmlns:a16="http://schemas.microsoft.com/office/drawing/2014/main" id="{CE69295E-38DE-4EA7-B3F8-C544D9E39F60}"/>
-              </a:ext>
-            </a:extLst>
-          </p:cNvPr>
-          <p:cNvSpPr txBox="1"/>
-          <p:nvPr/>
-        </p:nvSpPr>
-        <p:spPr>
-          <a:xfrm>
-            <a:off x="14168470" y="2823157"/>
-            <a:ext cx="2422096" cy="496290"/>
-          </a:xfrm>
-          <a:prstGeom prst="rect">
-            <a:avLst/>
-          </a:prstGeom>
-          <a:noFill/>
-        </p:spPr>
-        <p:txBody>
-          <a:bodyPr wrap="square" rtlCol="0">
-            <a:spAutoFit/>
-          </a:bodyPr>
-          <a:lstStyle/>
-          <a:p>
-            <a:r>
-              <a:rPr lang="en-SG" sz="2625" b="1" dirty="0">
-                <a:solidFill>
-                  <a:schemeClr val="bg1"/>
-                </a:solidFill>
-              </a:rPr>
-              <a:t>:Model</a:t>
-            </a:r>
-          </a:p>
-        </p:txBody>
-      </p:sp>
-      <p:cxnSp>
-        <p:nvCxnSpPr>
-          <p:cNvPr id="124" name="Straight Connector 123">
-            <a:extLst>
-              <a:ext uri="{FF2B5EF4-FFF2-40B4-BE49-F238E27FC236}">
-                <a16:creationId xmlns:a16="http://schemas.microsoft.com/office/drawing/2014/main" id="{04C83FAC-C102-47F7-8277-CD2FA06B1D3D}"/>
-              </a:ext>
-            </a:extLst>
-          </p:cNvPr>
-          <p:cNvCxnSpPr>
-            <a:cxnSpLocks/>
-          </p:cNvCxnSpPr>
-          <p:nvPr/>
-        </p:nvCxnSpPr>
-        <p:spPr>
-          <a:xfrm>
-            <a:off x="15244825" y="3525091"/>
-            <a:ext cx="19098" cy="3284312"/>
-          </a:xfrm>
-          <a:prstGeom prst="line">
-            <a:avLst/>
-          </a:prstGeom>
-          <a:ln w="12700">
-            <a:prstDash val="dash"/>
-          </a:ln>
-        </p:spPr>
-        <p:style>
-          <a:lnRef idx="1">
-            <a:schemeClr val="accent1"/>
-          </a:lnRef>
-          <a:fillRef idx="0">
-            <a:schemeClr val="accent1"/>
-          </a:fillRef>
-          <a:effectRef idx="0">
-            <a:schemeClr val="accent1"/>
-          </a:effectRef>
-          <a:fontRef idx="minor">
-            <a:schemeClr val="tx1"/>
-          </a:fontRef>
-        </p:style>
-      </p:cxnSp>
-      <p:sp>
-        <p:nvSpPr>
-          <p:cNvPr id="126" name="Rectangle 125">
-            <a:extLst>
-              <a:ext uri="{FF2B5EF4-FFF2-40B4-BE49-F238E27FC236}">
-                <a16:creationId xmlns:a16="http://schemas.microsoft.com/office/drawing/2014/main" id="{68A87247-A836-475E-8846-2197380876E6}"/>
-              </a:ext>
-            </a:extLst>
-          </p:cNvPr>
-          <p:cNvSpPr/>
-          <p:nvPr/>
-        </p:nvSpPr>
-        <p:spPr>
-          <a:xfrm>
-            <a:off x="15123720" y="6814572"/>
-            <a:ext cx="342695" cy="112263"/>
-          </a:xfrm>
-          <a:prstGeom prst="rect">
-            <a:avLst/>
-          </a:prstGeom>
-          <a:solidFill>
-            <a:srgbClr val="7030A0"/>
-          </a:solidFill>
-        </p:spPr>
-        <p:style>
-          <a:lnRef idx="2">
-            <a:schemeClr val="accent1">
-              <a:shade val="50000"/>
-            </a:schemeClr>
-          </a:lnRef>
-          <a:fillRef idx="1">
-            <a:schemeClr val="accent1"/>
-          </a:fillRef>
-          <a:effectRef idx="0">
-            <a:schemeClr val="accent1"/>
-          </a:effectRef>
-          <a:fontRef idx="minor">
-            <a:schemeClr val="lt1"/>
-          </a:fontRef>
-        </p:style>
-        <p:txBody>
-          <a:bodyPr rot="0" spcFirstLastPara="0" vertOverflow="overflow" horzOverflow="overflow" vert="horz" wrap="square" lIns="119994" tIns="59997" rIns="119994" bIns="59997" numCol="1" spcCol="0" rtlCol="0" fromWordArt="0" anchor="ctr" anchorCtr="0" forceAA="0" compatLnSpc="1">
-            <a:prstTxWarp prst="textNoShape">
-              <a:avLst/>
-            </a:prstTxWarp>
-            <a:noAutofit/>
-          </a:bodyPr>
-          <a:lstStyle/>
-          <a:p>
-            <a:pPr algn="ctr"/>
-            <a:endParaRPr lang="en-SG" sz="2362"/>
-          </a:p>
-        </p:txBody>
-      </p:sp>
-      <p:cxnSp>
-        <p:nvCxnSpPr>
-          <p:cNvPr id="129" name="Straight Arrow Connector 128">
-            <a:extLst>
-              <a:ext uri="{FF2B5EF4-FFF2-40B4-BE49-F238E27FC236}">
-                <a16:creationId xmlns:a16="http://schemas.microsoft.com/office/drawing/2014/main" id="{01C51495-946F-48C6-B839-36EA40A78787}"/>
-              </a:ext>
-            </a:extLst>
-          </p:cNvPr>
-          <p:cNvCxnSpPr>
-            <a:cxnSpLocks/>
-          </p:cNvCxnSpPr>
-          <p:nvPr/>
-        </p:nvCxnSpPr>
-        <p:spPr>
-          <a:xfrm flipV="1">
-            <a:off x="9986666" y="7018888"/>
-            <a:ext cx="5104053" cy="41826"/>
-          </a:xfrm>
-          <a:prstGeom prst="straightConnector1">
-            <a:avLst/>
-          </a:prstGeom>
-          <a:ln>
-            <a:tailEnd type="triangle"/>
-          </a:ln>
-        </p:spPr>
-        <p:style>
-          <a:lnRef idx="1">
-            <a:schemeClr val="accent1"/>
-          </a:lnRef>
-          <a:fillRef idx="0">
-            <a:schemeClr val="accent1"/>
-          </a:fillRef>
-          <a:effectRef idx="0">
-            <a:schemeClr val="accent1"/>
-          </a:effectRef>
-          <a:fontRef idx="minor">
-            <a:schemeClr val="tx1"/>
-          </a:fontRef>
-        </p:style>
-      </p:cxnSp>
-      <p:cxnSp>
-        <p:nvCxnSpPr>
-          <p:cNvPr id="130" name="Straight Connector 129">
-            <a:extLst>
-              <a:ext uri="{FF2B5EF4-FFF2-40B4-BE49-F238E27FC236}">
-                <a16:creationId xmlns:a16="http://schemas.microsoft.com/office/drawing/2014/main" id="{65B26FF3-E25B-4F2A-8678-B324F076A851}"/>
-              </a:ext>
-            </a:extLst>
-          </p:cNvPr>
-          <p:cNvCxnSpPr>
-            <a:cxnSpLocks/>
-          </p:cNvCxnSpPr>
-          <p:nvPr/>
-        </p:nvCxnSpPr>
-        <p:spPr>
-          <a:xfrm flipH="1">
-            <a:off x="15262518" y="6918493"/>
-            <a:ext cx="13104" cy="136552"/>
-          </a:xfrm>
-          <a:prstGeom prst="line">
-            <a:avLst/>
-          </a:prstGeom>
-          <a:ln w="12700">
-            <a:prstDash val="dash"/>
-          </a:ln>
-        </p:spPr>
-        <p:style>
-          <a:lnRef idx="1">
-            <a:schemeClr val="accent1"/>
-          </a:lnRef>
-          <a:fillRef idx="0">
-            <a:schemeClr val="accent1"/>
-          </a:fillRef>
-          <a:effectRef idx="0">
-            <a:schemeClr val="accent1"/>
-          </a:effectRef>
-          <a:fontRef idx="minor">
-            <a:schemeClr val="tx1"/>
-          </a:fontRef>
-        </p:style>
-      </p:cxnSp>
-      <p:sp>
-        <p:nvSpPr>
-          <p:cNvPr id="133" name="Rectangle 132">
-            <a:extLst>
-              <a:ext uri="{FF2B5EF4-FFF2-40B4-BE49-F238E27FC236}">
-                <a16:creationId xmlns:a16="http://schemas.microsoft.com/office/drawing/2014/main" id="{13B8807C-212D-470B-8B35-31595B9817AC}"/>
-              </a:ext>
-            </a:extLst>
-          </p:cNvPr>
-          <p:cNvSpPr/>
-          <p:nvPr/>
-        </p:nvSpPr>
-        <p:spPr>
-          <a:xfrm>
-            <a:off x="15115811" y="7018888"/>
-            <a:ext cx="342695" cy="112263"/>
-          </a:xfrm>
-          <a:prstGeom prst="rect">
-            <a:avLst/>
-          </a:prstGeom>
-          <a:solidFill>
-            <a:srgbClr val="7030A0"/>
-          </a:solidFill>
-        </p:spPr>
-        <p:style>
-          <a:lnRef idx="2">
-            <a:schemeClr val="accent1">
-              <a:shade val="50000"/>
-            </a:schemeClr>
-          </a:lnRef>
-          <a:fillRef idx="1">
-            <a:schemeClr val="accent1"/>
-          </a:fillRef>
-          <a:effectRef idx="0">
-            <a:schemeClr val="accent1"/>
-          </a:effectRef>
-          <a:fontRef idx="minor">
-            <a:schemeClr val="lt1"/>
-          </a:fontRef>
-        </p:style>
-        <p:txBody>
-          <a:bodyPr rot="0" spcFirstLastPara="0" vertOverflow="overflow" horzOverflow="overflow" vert="horz" wrap="square" lIns="119994" tIns="59997" rIns="119994" bIns="59997" numCol="1" spcCol="0" rtlCol="0" fromWordArt="0" anchor="ctr" anchorCtr="0" forceAA="0" compatLnSpc="1">
-            <a:prstTxWarp prst="textNoShape">
-              <a:avLst/>
-            </a:prstTxWarp>
-            <a:noAutofit/>
-          </a:bodyPr>
-          <a:lstStyle/>
-          <a:p>
-            <a:pPr algn="ctr"/>
-            <a:endParaRPr lang="en-SG" sz="2362"/>
-          </a:p>
-        </p:txBody>
-      </p:sp>
-      <p:sp>
-        <p:nvSpPr>
-          <p:cNvPr id="134" name="TextBox 133">
-            <a:extLst>
-              <a:ext uri="{FF2B5EF4-FFF2-40B4-BE49-F238E27FC236}">
-                <a16:creationId xmlns:a16="http://schemas.microsoft.com/office/drawing/2014/main" id="{8407C4CF-570F-4EC2-B404-5099AD7421C8}"/>
-              </a:ext>
-            </a:extLst>
-          </p:cNvPr>
-          <p:cNvSpPr txBox="1"/>
-          <p:nvPr/>
-        </p:nvSpPr>
-        <p:spPr>
-          <a:xfrm>
-            <a:off x="11207537" y="6990506"/>
-            <a:ext cx="2641618" cy="294248"/>
-          </a:xfrm>
-          <a:prstGeom prst="rect">
-            <a:avLst/>
-          </a:prstGeom>
-          <a:noFill/>
-        </p:spPr>
-        <p:txBody>
-          <a:bodyPr wrap="square" rtlCol="0">
-            <a:spAutoFit/>
-          </a:bodyPr>
-          <a:lstStyle/>
-          <a:p>
+              <a:t>(</a:t>
+            </a:r>
             <a:r>
               <a:rPr lang="en-SG" sz="1312" dirty="0" err="1">
                 <a:solidFill>
                   <a:srgbClr val="7030A0"/>
                 </a:solidFill>
               </a:rPr>
-              <a:t>updatePerson</a:t>
+              <a:t>personToEdit</a:t>
             </a:r>
             <a:r>
               <a:rPr lang="en-SG" sz="1312" dirty="0">
@@ -5900,7 +5565,23 @@
                   <a:srgbClr val="7030A0"/>
                 </a:solidFill>
               </a:rPr>
-              <a:t>(originalPerson2, p2)</a:t>
+              <a:t>, </a:t>
+            </a:r>
+            <a:r>
+              <a:rPr lang="en-SG" sz="1312" dirty="0" err="1">
+                <a:solidFill>
+                  <a:srgbClr val="7030A0"/>
+                </a:solidFill>
+              </a:rPr>
+              <a:t>personToEditCopy</a:t>
+            </a:r>
+            <a:r>
+              <a:rPr lang="en-SG" sz="1312" dirty="0">
+                <a:solidFill>
+                  <a:srgbClr val="7030A0"/>
+                </a:solidFill>
+              </a:rPr>
+              <a:t>)</a:t>
             </a:r>
           </a:p>
         </p:txBody>
@@ -5921,7 +5602,7 @@
         </p:nvCxnSpPr>
         <p:spPr>
           <a:xfrm flipH="1">
-            <a:off x="15252343" y="7101848"/>
+            <a:off x="15252343" y="7127248"/>
             <a:ext cx="6552" cy="365813"/>
           </a:xfrm>
           <a:prstGeom prst="line">
@@ -5962,8 +5643,8 @@
         </p:nvCxnSpPr>
         <p:spPr>
           <a:xfrm>
-            <a:off x="10067405" y="7370889"/>
-            <a:ext cx="1282977" cy="0"/>
+            <a:off x="10121900" y="7467661"/>
+            <a:ext cx="1139024" cy="0"/>
           </a:xfrm>
           <a:prstGeom prst="straightConnector1">
             <a:avLst/>
@@ -6001,7 +5682,7 @@
         </p:nvSpPr>
         <p:spPr>
           <a:xfrm>
-            <a:off x="11342722" y="7256289"/>
+            <a:off x="11253559" y="7456121"/>
             <a:ext cx="1498201" cy="359083"/>
           </a:xfrm>
           <a:prstGeom prst="rect">
@@ -6052,7 +5733,7 @@
         </p:nvSpPr>
         <p:spPr>
           <a:xfrm>
-            <a:off x="11392774" y="7188708"/>
+            <a:off x="11392774" y="7398258"/>
             <a:ext cx="1410273" cy="461665"/>
           </a:xfrm>
           <a:prstGeom prst="rect">
@@ -6104,7 +5785,7 @@
         </p:nvSpPr>
         <p:spPr>
           <a:xfrm>
-            <a:off x="11866431" y="7627143"/>
+            <a:off x="11866431" y="7830343"/>
             <a:ext cx="313822" cy="199990"/>
           </a:xfrm>
           <a:prstGeom prst="rect">
@@ -6157,7 +5838,7 @@
         </p:nvCxnSpPr>
         <p:spPr>
           <a:xfrm flipH="1">
-            <a:off x="10067405" y="7827133"/>
+            <a:off x="10067405" y="8036683"/>
             <a:ext cx="1765122" cy="0"/>
           </a:xfrm>
           <a:prstGeom prst="straightConnector1">
@@ -6321,47 +6002,6 @@
           <a:xfrm>
             <a:off x="9912568" y="8091000"/>
             <a:ext cx="0" cy="324879"/>
-          </a:xfrm>
-          <a:prstGeom prst="line">
-            <a:avLst/>
-          </a:prstGeom>
-          <a:ln w="12700">
-            <a:prstDash val="dash"/>
-          </a:ln>
-        </p:spPr>
-        <p:style>
-          <a:lnRef idx="1">
-            <a:schemeClr val="accent1"/>
-          </a:lnRef>
-          <a:fillRef idx="0">
-            <a:schemeClr val="accent1"/>
-          </a:fillRef>
-          <a:effectRef idx="0">
-            <a:schemeClr val="accent1"/>
-          </a:effectRef>
-          <a:fontRef idx="minor">
-            <a:schemeClr val="tx1"/>
-          </a:fontRef>
-        </p:style>
-      </p:cxnSp>
-      <p:cxnSp>
-        <p:nvCxnSpPr>
-          <p:cNvPr id="79" name="Straight Connector 78">
-            <a:extLst>
-              <a:ext uri="{FF2B5EF4-FFF2-40B4-BE49-F238E27FC236}">
-                <a16:creationId xmlns:a16="http://schemas.microsoft.com/office/drawing/2014/main" id="{C7DF92C0-4129-432B-A391-10319781AEB0}"/>
-              </a:ext>
-            </a:extLst>
-          </p:cNvPr>
-          <p:cNvCxnSpPr>
-            <a:cxnSpLocks/>
-          </p:cNvCxnSpPr>
-          <p:nvPr/>
-        </p:nvCxnSpPr>
-        <p:spPr>
-          <a:xfrm>
-            <a:off x="12052053" y="5355499"/>
-            <a:ext cx="0" cy="114770"/>
           </a:xfrm>
           <a:prstGeom prst="line">
             <a:avLst/>
@@ -6400,15 +6040,588 @@
           <p:nvPr/>
         </p:nvCxnSpPr>
         <p:spPr>
-          <a:xfrm>
-            <a:off x="12055087" y="6068889"/>
-            <a:ext cx="0" cy="114770"/>
+          <a:xfrm flipH="1">
+            <a:off x="14219531" y="6348347"/>
+            <a:ext cx="7661" cy="513052"/>
           </a:xfrm>
           <a:prstGeom prst="line">
             <a:avLst/>
           </a:prstGeom>
           <a:ln w="12700">
             <a:prstDash val="dash"/>
+          </a:ln>
+        </p:spPr>
+        <p:style>
+          <a:lnRef idx="1">
+            <a:schemeClr val="accent1"/>
+          </a:lnRef>
+          <a:fillRef idx="0">
+            <a:schemeClr val="accent1"/>
+          </a:fillRef>
+          <a:effectRef idx="0">
+            <a:schemeClr val="accent1"/>
+          </a:effectRef>
+          <a:fontRef idx="minor">
+            <a:schemeClr val="tx1"/>
+          </a:fontRef>
+        </p:style>
+      </p:cxnSp>
+      <p:sp>
+        <p:nvSpPr>
+          <p:cNvPr id="80" name="Rectangle 79">
+            <a:extLst>
+              <a:ext uri="{FF2B5EF4-FFF2-40B4-BE49-F238E27FC236}">
+                <a16:creationId xmlns:a16="http://schemas.microsoft.com/office/drawing/2014/main" id="{359FA091-CF05-41D2-8A76-4C452EA5F071}"/>
+              </a:ext>
+            </a:extLst>
+          </p:cNvPr>
+          <p:cNvSpPr/>
+          <p:nvPr/>
+        </p:nvSpPr>
+        <p:spPr>
+          <a:xfrm>
+            <a:off x="15090719" y="4958055"/>
+            <a:ext cx="342695" cy="190315"/>
+          </a:xfrm>
+          <a:prstGeom prst="rect">
+            <a:avLst/>
+          </a:prstGeom>
+          <a:solidFill>
+            <a:srgbClr val="7030A0"/>
+          </a:solidFill>
+        </p:spPr>
+        <p:style>
+          <a:lnRef idx="2">
+            <a:schemeClr val="accent1">
+              <a:shade val="50000"/>
+            </a:schemeClr>
+          </a:lnRef>
+          <a:fillRef idx="1">
+            <a:schemeClr val="accent1"/>
+          </a:fillRef>
+          <a:effectRef idx="0">
+            <a:schemeClr val="accent1"/>
+          </a:effectRef>
+          <a:fontRef idx="minor">
+            <a:schemeClr val="lt1"/>
+          </a:fontRef>
+        </p:style>
+        <p:txBody>
+          <a:bodyPr rot="0" spcFirstLastPara="0" vertOverflow="overflow" horzOverflow="overflow" vert="horz" wrap="square" lIns="119994" tIns="59997" rIns="119994" bIns="59997" numCol="1" spcCol="0" rtlCol="0" fromWordArt="0" anchor="ctr" anchorCtr="0" forceAA="0" compatLnSpc="1">
+            <a:prstTxWarp prst="textNoShape">
+              <a:avLst/>
+            </a:prstTxWarp>
+            <a:noAutofit/>
+          </a:bodyPr>
+          <a:lstStyle/>
+          <a:p>
+            <a:pPr algn="ctr"/>
+            <a:endParaRPr lang="en-SG" sz="2362"/>
+          </a:p>
+        </p:txBody>
+      </p:sp>
+      <p:sp>
+        <p:nvSpPr>
+          <p:cNvPr id="81" name="TextBox 80">
+            <a:extLst>
+              <a:ext uri="{FF2B5EF4-FFF2-40B4-BE49-F238E27FC236}">
+                <a16:creationId xmlns:a16="http://schemas.microsoft.com/office/drawing/2014/main" id="{B5E8AA21-D287-4C6E-8F9F-FF40B74DF2F3}"/>
+              </a:ext>
+            </a:extLst>
+          </p:cNvPr>
+          <p:cNvSpPr txBox="1"/>
+          <p:nvPr/>
+        </p:nvSpPr>
+        <p:spPr>
+          <a:xfrm>
+            <a:off x="12192946" y="4667045"/>
+            <a:ext cx="2641618" cy="294248"/>
+          </a:xfrm>
+          <a:prstGeom prst="rect">
+            <a:avLst/>
+          </a:prstGeom>
+          <a:noFill/>
+        </p:spPr>
+        <p:txBody>
+          <a:bodyPr wrap="square" rtlCol="0">
+            <a:spAutoFit/>
+          </a:bodyPr>
+          <a:lstStyle/>
+          <a:p>
+            <a:r>
+              <a:rPr lang="en-SG" sz="1312" dirty="0" err="1">
+                <a:solidFill>
+                  <a:srgbClr val="7030A0"/>
+                </a:solidFill>
+              </a:rPr>
+              <a:t>getCurrentUser</a:t>
+            </a:r>
+            <a:r>
+              <a:rPr lang="en-SG" sz="1312" dirty="0">
+                <a:solidFill>
+                  <a:srgbClr val="7030A0"/>
+                </a:solidFill>
+              </a:rPr>
+              <a:t>()</a:t>
+            </a:r>
+          </a:p>
+        </p:txBody>
+      </p:sp>
+      <p:sp>
+        <p:nvSpPr>
+          <p:cNvPr id="91" name="TextBox 90">
+            <a:extLst>
+              <a:ext uri="{FF2B5EF4-FFF2-40B4-BE49-F238E27FC236}">
+                <a16:creationId xmlns:a16="http://schemas.microsoft.com/office/drawing/2014/main" id="{20349938-AFE9-4607-9995-BB25DD02A23E}"/>
+              </a:ext>
+            </a:extLst>
+          </p:cNvPr>
+          <p:cNvSpPr txBox="1"/>
+          <p:nvPr/>
+        </p:nvSpPr>
+        <p:spPr>
+          <a:xfrm>
+            <a:off x="12279610" y="4927986"/>
+            <a:ext cx="2641618" cy="294248"/>
+          </a:xfrm>
+          <a:prstGeom prst="rect">
+            <a:avLst/>
+          </a:prstGeom>
+          <a:noFill/>
+        </p:spPr>
+        <p:txBody>
+          <a:bodyPr wrap="square" rtlCol="0">
+            <a:spAutoFit/>
+          </a:bodyPr>
+          <a:lstStyle/>
+          <a:p>
+            <a:r>
+              <a:rPr lang="en-SG" sz="1312" dirty="0" err="1">
+                <a:solidFill>
+                  <a:srgbClr val="7030A0"/>
+                </a:solidFill>
+              </a:rPr>
+              <a:t>personToEdit</a:t>
+            </a:r>
+            <a:endParaRPr lang="en-SG" sz="1312" dirty="0">
+              <a:solidFill>
+                <a:srgbClr val="7030A0"/>
+              </a:solidFill>
+            </a:endParaRPr>
+          </a:p>
+        </p:txBody>
+      </p:sp>
+      <p:sp>
+        <p:nvSpPr>
+          <p:cNvPr id="92" name="Rectangle 91">
+            <a:extLst>
+              <a:ext uri="{FF2B5EF4-FFF2-40B4-BE49-F238E27FC236}">
+                <a16:creationId xmlns:a16="http://schemas.microsoft.com/office/drawing/2014/main" id="{03567B2C-9E59-4480-9AA9-3CC391BC9C0D}"/>
+              </a:ext>
+            </a:extLst>
+          </p:cNvPr>
+          <p:cNvSpPr/>
+          <p:nvPr/>
+        </p:nvSpPr>
+        <p:spPr>
+          <a:xfrm>
+            <a:off x="15090719" y="5463647"/>
+            <a:ext cx="342695" cy="190315"/>
+          </a:xfrm>
+          <a:prstGeom prst="rect">
+            <a:avLst/>
+          </a:prstGeom>
+          <a:solidFill>
+            <a:srgbClr val="7030A0"/>
+          </a:solidFill>
+        </p:spPr>
+        <p:style>
+          <a:lnRef idx="2">
+            <a:schemeClr val="accent1">
+              <a:shade val="50000"/>
+            </a:schemeClr>
+          </a:lnRef>
+          <a:fillRef idx="1">
+            <a:schemeClr val="accent1"/>
+          </a:fillRef>
+          <a:effectRef idx="0">
+            <a:schemeClr val="accent1"/>
+          </a:effectRef>
+          <a:fontRef idx="minor">
+            <a:schemeClr val="lt1"/>
+          </a:fontRef>
+        </p:style>
+        <p:txBody>
+          <a:bodyPr rot="0" spcFirstLastPara="0" vertOverflow="overflow" horzOverflow="overflow" vert="horz" wrap="square" lIns="119994" tIns="59997" rIns="119994" bIns="59997" numCol="1" spcCol="0" rtlCol="0" fromWordArt="0" anchor="ctr" anchorCtr="0" forceAA="0" compatLnSpc="1">
+            <a:prstTxWarp prst="textNoShape">
+              <a:avLst/>
+            </a:prstTxWarp>
+            <a:noAutofit/>
+          </a:bodyPr>
+          <a:lstStyle/>
+          <a:p>
+            <a:pPr algn="ctr"/>
+            <a:endParaRPr lang="en-SG" sz="2362"/>
+          </a:p>
+        </p:txBody>
+      </p:sp>
+      <p:cxnSp>
+        <p:nvCxnSpPr>
+          <p:cNvPr id="98" name="Straight Arrow Connector 97">
+            <a:extLst>
+              <a:ext uri="{FF2B5EF4-FFF2-40B4-BE49-F238E27FC236}">
+                <a16:creationId xmlns:a16="http://schemas.microsoft.com/office/drawing/2014/main" id="{012ACAE8-D659-4181-A38C-B329D39089B7}"/>
+              </a:ext>
+            </a:extLst>
+          </p:cNvPr>
+          <p:cNvCxnSpPr>
+            <a:cxnSpLocks/>
+          </p:cNvCxnSpPr>
+          <p:nvPr/>
+        </p:nvCxnSpPr>
+        <p:spPr>
+          <a:xfrm flipV="1">
+            <a:off x="10000353" y="5463647"/>
+            <a:ext cx="5072042" cy="2224"/>
+          </a:xfrm>
+          <a:prstGeom prst="straightConnector1">
+            <a:avLst/>
+          </a:prstGeom>
+          <a:ln>
+            <a:tailEnd type="triangle"/>
+          </a:ln>
+        </p:spPr>
+        <p:style>
+          <a:lnRef idx="1">
+            <a:schemeClr val="accent1"/>
+          </a:lnRef>
+          <a:fillRef idx="0">
+            <a:schemeClr val="accent1"/>
+          </a:fillRef>
+          <a:effectRef idx="0">
+            <a:schemeClr val="accent1"/>
+          </a:effectRef>
+          <a:fontRef idx="minor">
+            <a:schemeClr val="tx1"/>
+          </a:fontRef>
+        </p:style>
+      </p:cxnSp>
+      <p:sp>
+        <p:nvSpPr>
+          <p:cNvPr id="99" name="TextBox 98">
+            <a:extLst>
+              <a:ext uri="{FF2B5EF4-FFF2-40B4-BE49-F238E27FC236}">
+                <a16:creationId xmlns:a16="http://schemas.microsoft.com/office/drawing/2014/main" id="{C11C2B33-3539-4999-B546-58CF25D43537}"/>
+              </a:ext>
+            </a:extLst>
+          </p:cNvPr>
+          <p:cNvSpPr txBox="1"/>
+          <p:nvPr/>
+        </p:nvSpPr>
+        <p:spPr>
+          <a:xfrm>
+            <a:off x="12188218" y="5195953"/>
+            <a:ext cx="2641618" cy="294248"/>
+          </a:xfrm>
+          <a:prstGeom prst="rect">
+            <a:avLst/>
+          </a:prstGeom>
+          <a:noFill/>
+        </p:spPr>
+        <p:txBody>
+          <a:bodyPr wrap="square" rtlCol="0">
+            <a:spAutoFit/>
+          </a:bodyPr>
+          <a:lstStyle/>
+          <a:p>
+            <a:r>
+              <a:rPr lang="en-SG" sz="1312" dirty="0" err="1">
+                <a:solidFill>
+                  <a:srgbClr val="7030A0"/>
+                </a:solidFill>
+              </a:rPr>
+              <a:t>getFilteredPersonList</a:t>
+            </a:r>
+            <a:r>
+              <a:rPr lang="en-SG" sz="1312" dirty="0">
+                <a:solidFill>
+                  <a:srgbClr val="7030A0"/>
+                </a:solidFill>
+              </a:rPr>
+              <a:t>().get()</a:t>
+            </a:r>
+          </a:p>
+        </p:txBody>
+      </p:sp>
+      <p:sp>
+        <p:nvSpPr>
+          <p:cNvPr id="101" name="TextBox 100">
+            <a:extLst>
+              <a:ext uri="{FF2B5EF4-FFF2-40B4-BE49-F238E27FC236}">
+                <a16:creationId xmlns:a16="http://schemas.microsoft.com/office/drawing/2014/main" id="{6F983239-38A4-4EAF-B99A-36C8A9EE3219}"/>
+              </a:ext>
+            </a:extLst>
+          </p:cNvPr>
+          <p:cNvSpPr txBox="1"/>
+          <p:nvPr/>
+        </p:nvSpPr>
+        <p:spPr>
+          <a:xfrm>
+            <a:off x="12212522" y="5572932"/>
+            <a:ext cx="2641618" cy="294248"/>
+          </a:xfrm>
+          <a:prstGeom prst="rect">
+            <a:avLst/>
+          </a:prstGeom>
+          <a:noFill/>
+        </p:spPr>
+        <p:txBody>
+          <a:bodyPr wrap="square" rtlCol="0">
+            <a:spAutoFit/>
+          </a:bodyPr>
+          <a:lstStyle/>
+          <a:p>
+            <a:r>
+              <a:rPr lang="en-SG" sz="1312" dirty="0" err="1">
+                <a:solidFill>
+                  <a:srgbClr val="7030A0"/>
+                </a:solidFill>
+              </a:rPr>
+              <a:t>personToAdd</a:t>
+            </a:r>
+            <a:endParaRPr lang="en-SG" sz="1312" dirty="0">
+              <a:solidFill>
+                <a:srgbClr val="7030A0"/>
+              </a:solidFill>
+            </a:endParaRPr>
+          </a:p>
+        </p:txBody>
+      </p:sp>
+      <p:sp>
+        <p:nvSpPr>
+          <p:cNvPr id="102" name="Rectangle 101">
+            <a:extLst>
+              <a:ext uri="{FF2B5EF4-FFF2-40B4-BE49-F238E27FC236}">
+                <a16:creationId xmlns:a16="http://schemas.microsoft.com/office/drawing/2014/main" id="{6A441F38-B113-4C35-8090-0ADCD78E2C77}"/>
+              </a:ext>
+            </a:extLst>
+          </p:cNvPr>
+          <p:cNvSpPr/>
+          <p:nvPr/>
+        </p:nvSpPr>
+        <p:spPr>
+          <a:xfrm>
+            <a:off x="14073129" y="6526873"/>
+            <a:ext cx="313822" cy="129917"/>
+          </a:xfrm>
+          <a:prstGeom prst="rect">
+            <a:avLst/>
+          </a:prstGeom>
+          <a:solidFill>
+            <a:srgbClr val="7030A0"/>
+          </a:solidFill>
+        </p:spPr>
+        <p:style>
+          <a:lnRef idx="2">
+            <a:schemeClr val="accent1">
+              <a:shade val="50000"/>
+            </a:schemeClr>
+          </a:lnRef>
+          <a:fillRef idx="1">
+            <a:schemeClr val="accent1"/>
+          </a:fillRef>
+          <a:effectRef idx="0">
+            <a:schemeClr val="accent1"/>
+          </a:effectRef>
+          <a:fontRef idx="minor">
+            <a:schemeClr val="lt1"/>
+          </a:fontRef>
+        </p:style>
+        <p:txBody>
+          <a:bodyPr rot="0" spcFirstLastPara="0" vertOverflow="overflow" horzOverflow="overflow" vert="horz" wrap="square" lIns="119994" tIns="59997" rIns="119994" bIns="59997" numCol="1" spcCol="0" rtlCol="0" fromWordArt="0" anchor="ctr" anchorCtr="0" forceAA="0" compatLnSpc="1">
+            <a:prstTxWarp prst="textNoShape">
+              <a:avLst/>
+            </a:prstTxWarp>
+            <a:noAutofit/>
+          </a:bodyPr>
+          <a:lstStyle/>
+          <a:p>
+            <a:pPr algn="ctr"/>
+            <a:endParaRPr lang="en-SG" sz="2362"/>
+          </a:p>
+        </p:txBody>
+      </p:sp>
+      <p:cxnSp>
+        <p:nvCxnSpPr>
+          <p:cNvPr id="103" name="Straight Arrow Connector 102">
+            <a:extLst>
+              <a:ext uri="{FF2B5EF4-FFF2-40B4-BE49-F238E27FC236}">
+                <a16:creationId xmlns:a16="http://schemas.microsoft.com/office/drawing/2014/main" id="{7178793E-6EC2-4A89-B82A-C9B8BE5A06F5}"/>
+              </a:ext>
+            </a:extLst>
+          </p:cNvPr>
+          <p:cNvCxnSpPr>
+            <a:cxnSpLocks/>
+          </p:cNvCxnSpPr>
+          <p:nvPr/>
+        </p:nvCxnSpPr>
+        <p:spPr>
+          <a:xfrm flipV="1">
+            <a:off x="10025225" y="6532173"/>
+            <a:ext cx="4032256" cy="33621"/>
+          </a:xfrm>
+          <a:prstGeom prst="straightConnector1">
+            <a:avLst/>
+          </a:prstGeom>
+          <a:ln>
+            <a:tailEnd type="triangle"/>
+          </a:ln>
+        </p:spPr>
+        <p:style>
+          <a:lnRef idx="1">
+            <a:schemeClr val="accent1"/>
+          </a:lnRef>
+          <a:fillRef idx="0">
+            <a:schemeClr val="accent1"/>
+          </a:fillRef>
+          <a:effectRef idx="0">
+            <a:schemeClr val="accent1"/>
+          </a:effectRef>
+          <a:fontRef idx="minor">
+            <a:schemeClr val="tx1"/>
+          </a:fontRef>
+        </p:style>
+      </p:cxnSp>
+      <p:sp>
+        <p:nvSpPr>
+          <p:cNvPr id="105" name="TextBox 104">
+            <a:extLst>
+              <a:ext uri="{FF2B5EF4-FFF2-40B4-BE49-F238E27FC236}">
+                <a16:creationId xmlns:a16="http://schemas.microsoft.com/office/drawing/2014/main" id="{A51CE161-245C-4C79-9AC1-A397EEE34253}"/>
+              </a:ext>
+            </a:extLst>
+          </p:cNvPr>
+          <p:cNvSpPr txBox="1"/>
+          <p:nvPr/>
+        </p:nvSpPr>
+        <p:spPr>
+          <a:xfrm>
+            <a:off x="11436000" y="6500100"/>
+            <a:ext cx="2330081" cy="294248"/>
+          </a:xfrm>
+          <a:prstGeom prst="rect">
+            <a:avLst/>
+          </a:prstGeom>
+          <a:noFill/>
+        </p:spPr>
+        <p:txBody>
+          <a:bodyPr wrap="square" rtlCol="0">
+            <a:spAutoFit/>
+          </a:bodyPr>
+          <a:lstStyle/>
+          <a:p>
+            <a:r>
+              <a:rPr lang="en-SG" sz="1312" dirty="0" err="1">
+                <a:solidFill>
+                  <a:srgbClr val="7030A0"/>
+                </a:solidFill>
+              </a:rPr>
+              <a:t>addFriendInList</a:t>
+            </a:r>
+            <a:r>
+              <a:rPr lang="en-SG" sz="1312" dirty="0">
+                <a:solidFill>
+                  <a:srgbClr val="7030A0"/>
+                </a:solidFill>
+              </a:rPr>
+              <a:t>(</a:t>
+            </a:r>
+            <a:r>
+              <a:rPr lang="en-SG" sz="1312" dirty="0" err="1">
+                <a:solidFill>
+                  <a:srgbClr val="7030A0"/>
+                </a:solidFill>
+              </a:rPr>
+              <a:t>personToAdd</a:t>
+            </a:r>
+            <a:r>
+              <a:rPr lang="en-SG" sz="1312" dirty="0">
+                <a:solidFill>
+                  <a:srgbClr val="7030A0"/>
+                </a:solidFill>
+              </a:rPr>
+              <a:t>)</a:t>
+            </a:r>
+          </a:p>
+        </p:txBody>
+      </p:sp>
+      <p:cxnSp>
+        <p:nvCxnSpPr>
+          <p:cNvPr id="109" name="Straight Arrow Connector 108">
+            <a:extLst>
+              <a:ext uri="{FF2B5EF4-FFF2-40B4-BE49-F238E27FC236}">
+                <a16:creationId xmlns:a16="http://schemas.microsoft.com/office/drawing/2014/main" id="{8DE14FB9-C888-4EF8-8A09-78A9466E8A99}"/>
+              </a:ext>
+            </a:extLst>
+          </p:cNvPr>
+          <p:cNvCxnSpPr>
+            <a:cxnSpLocks/>
+          </p:cNvCxnSpPr>
+          <p:nvPr/>
+        </p:nvCxnSpPr>
+        <p:spPr>
+          <a:xfrm flipH="1">
+            <a:off x="10048728" y="5661064"/>
+            <a:ext cx="5041992" cy="14202"/>
+          </a:xfrm>
+          <a:prstGeom prst="straightConnector1">
+            <a:avLst/>
+          </a:prstGeom>
+          <a:ln>
+            <a:prstDash val="lgDash"/>
+            <a:tailEnd type="triangle"/>
+          </a:ln>
+        </p:spPr>
+        <p:style>
+          <a:lnRef idx="1">
+            <a:schemeClr val="accent1"/>
+          </a:lnRef>
+          <a:fillRef idx="0">
+            <a:schemeClr val="accent1"/>
+          </a:fillRef>
+          <a:effectRef idx="0">
+            <a:schemeClr val="accent1"/>
+          </a:effectRef>
+          <a:fontRef idx="minor">
+            <a:schemeClr val="tx1"/>
+          </a:fontRef>
+        </p:style>
+      </p:cxnSp>
+      <p:cxnSp>
+        <p:nvCxnSpPr>
+          <p:cNvPr id="115" name="Straight Arrow Connector 114">
+            <a:extLst>
+              <a:ext uri="{FF2B5EF4-FFF2-40B4-BE49-F238E27FC236}">
+                <a16:creationId xmlns:a16="http://schemas.microsoft.com/office/drawing/2014/main" id="{137C0617-9688-44CE-9A8E-D535AF4CE3FE}"/>
+              </a:ext>
+            </a:extLst>
+          </p:cNvPr>
+          <p:cNvCxnSpPr>
+            <a:cxnSpLocks/>
+          </p:cNvCxnSpPr>
+          <p:nvPr/>
+        </p:nvCxnSpPr>
+        <p:spPr>
+          <a:xfrm flipH="1">
+            <a:off x="10048728" y="5152306"/>
+            <a:ext cx="5041992" cy="14202"/>
+          </a:xfrm>
+          <a:prstGeom prst="straightConnector1">
+            <a:avLst/>
+          </a:prstGeom>
+          <a:ln>
+            <a:prstDash val="lgDash"/>
+            <a:tailEnd type="triangle"/>
           </a:ln>
         </p:spPr>
         <p:style>

--- a/docs/diagrams/AddFriendCommand.pptx
+++ b/docs/diagrams/AddFriendCommand.pptx
@@ -2987,7 +2987,7 @@
         </p:nvSpPr>
         <p:spPr>
           <a:xfrm>
-            <a:off x="12408172" y="-525328"/>
+            <a:off x="12497241" y="-532889"/>
             <a:ext cx="12880216" cy="8785660"/>
           </a:xfrm>
           <a:prstGeom prst="roundRect">
@@ -3373,8 +3373,8 @@
         </p:nvSpPr>
         <p:spPr>
           <a:xfrm>
-            <a:off x="475036" y="1877327"/>
-            <a:ext cx="1972122" cy="294248"/>
+            <a:off x="-15789" y="2327304"/>
+            <a:ext cx="2481885" cy="369332"/>
           </a:xfrm>
           <a:prstGeom prst="rect">
             <a:avLst/>
@@ -3388,7 +3388,7 @@
           <a:lstStyle/>
           <a:p>
             <a:r>
-              <a:rPr lang="en-SG" sz="1312" dirty="0">
+              <a:rPr lang="en-SG" dirty="0">
                 <a:solidFill>
                   <a:schemeClr val="accent1"/>
                 </a:solidFill>
@@ -3396,7 +3396,7 @@
               <a:t>execute(“</a:t>
             </a:r>
             <a:r>
-              <a:rPr lang="en-SG" sz="1312" dirty="0" err="1">
+              <a:rPr lang="en-SG" dirty="0" err="1">
                 <a:solidFill>
                   <a:schemeClr val="accent1"/>
                 </a:solidFill>
@@ -3404,7 +3404,7 @@
               <a:t>addFriend</a:t>
             </a:r>
             <a:r>
-              <a:rPr lang="en-SG" sz="1312" dirty="0">
+              <a:rPr lang="en-SG" dirty="0">
                 <a:solidFill>
                   <a:schemeClr val="accent1"/>
                 </a:solidFill>
@@ -3582,8 +3582,8 @@
         </p:nvSpPr>
         <p:spPr>
           <a:xfrm>
-            <a:off x="3044344" y="2097368"/>
-            <a:ext cx="1972122" cy="294248"/>
+            <a:off x="2906937" y="2092995"/>
+            <a:ext cx="1972122" cy="338554"/>
           </a:xfrm>
           <a:prstGeom prst="rect">
             <a:avLst/>
@@ -3597,7 +3597,7 @@
           <a:lstStyle/>
           <a:p>
             <a:r>
-              <a:rPr lang="en-SG" sz="1312" dirty="0">
+              <a:rPr lang="en-SG" sz="1600" dirty="0">
                 <a:solidFill>
                   <a:schemeClr val="accent1"/>
                 </a:solidFill>
@@ -3605,7 +3605,7 @@
               <a:t>parse(“</a:t>
             </a:r>
             <a:r>
-              <a:rPr lang="en-SG" sz="1312" dirty="0" err="1">
+              <a:rPr lang="en-SG" sz="1600" dirty="0" err="1">
                 <a:solidFill>
                   <a:schemeClr val="accent1"/>
                 </a:solidFill>
@@ -3613,7 +3613,7 @@
               <a:t>addFriend</a:t>
             </a:r>
             <a:r>
-              <a:rPr lang="en-SG" sz="1312" dirty="0">
+              <a:rPr lang="en-SG" sz="1600" dirty="0">
                 <a:solidFill>
                   <a:schemeClr val="accent1"/>
                 </a:solidFill>
@@ -4091,7 +4091,7 @@
         <p:spPr>
           <a:xfrm>
             <a:off x="5534308" y="3477196"/>
-            <a:ext cx="1124000" cy="294248"/>
+            <a:ext cx="1124000" cy="338554"/>
           </a:xfrm>
           <a:prstGeom prst="rect">
             <a:avLst/>
@@ -4105,7 +4105,7 @@
           <a:lstStyle/>
           <a:p>
             <a:r>
-              <a:rPr lang="en-SG" sz="1312" dirty="0">
+              <a:rPr lang="en-SG" sz="1600" dirty="0">
                 <a:solidFill>
                   <a:schemeClr val="accent1"/>
                 </a:solidFill>
@@ -4266,7 +4266,7 @@
         <p:spPr>
           <a:xfrm>
             <a:off x="5014214" y="4635512"/>
-            <a:ext cx="0" cy="254860"/>
+            <a:ext cx="0" cy="157926"/>
           </a:xfrm>
           <a:prstGeom prst="line">
             <a:avLst/>
@@ -4620,9 +4620,9 @@
           <p:nvPr/>
         </p:nvCxnSpPr>
         <p:spPr>
-          <a:xfrm>
-            <a:off x="2661310" y="4906116"/>
-            <a:ext cx="7085161" cy="7489"/>
+          <a:xfrm flipV="1">
+            <a:off x="2670923" y="4907497"/>
+            <a:ext cx="7077689" cy="38436"/>
           </a:xfrm>
           <a:prstGeom prst="straightConnector1">
             <a:avLst/>
@@ -4753,7 +4753,7 @@
         <p:spPr>
           <a:xfrm>
             <a:off x="5682922" y="4964132"/>
-            <a:ext cx="1124000" cy="294248"/>
+            <a:ext cx="1124000" cy="338554"/>
           </a:xfrm>
           <a:prstGeom prst="rect">
             <a:avLst/>
@@ -4767,7 +4767,7 @@
           <a:lstStyle/>
           <a:p>
             <a:r>
-              <a:rPr lang="en-SG" sz="1312" dirty="0">
+              <a:rPr lang="en-SG" sz="1600" dirty="0">
                 <a:solidFill>
                   <a:schemeClr val="accent1"/>
                 </a:solidFill>
@@ -5521,8 +5521,8 @@
         </p:nvSpPr>
         <p:spPr>
           <a:xfrm>
-            <a:off x="11087303" y="6971399"/>
-            <a:ext cx="3519691" cy="294248"/>
+            <a:off x="10927100" y="6971324"/>
+            <a:ext cx="4448338" cy="338554"/>
           </a:xfrm>
           <a:prstGeom prst="rect">
             <a:avLst/>
@@ -5536,7 +5536,7 @@
           <a:lstStyle/>
           <a:p>
             <a:r>
-              <a:rPr lang="en-SG" sz="1312" dirty="0" err="1">
+              <a:rPr lang="en-SG" sz="1600" dirty="0" err="1">
                 <a:solidFill>
                   <a:srgbClr val="7030A0"/>
                 </a:solidFill>
@@ -5544,7 +5544,7 @@
               <a:t>updatePerson</a:t>
             </a:r>
             <a:r>
-              <a:rPr lang="en-SG" sz="1312" dirty="0">
+              <a:rPr lang="en-SG" sz="1600" dirty="0">
                 <a:solidFill>
                   <a:srgbClr val="7030A0"/>
                 </a:solidFill>
@@ -5552,7 +5552,7 @@
               <a:t>(</a:t>
             </a:r>
             <a:r>
-              <a:rPr lang="en-SG" sz="1312" dirty="0" err="1">
+              <a:rPr lang="en-SG" sz="1600" dirty="0" err="1">
                 <a:solidFill>
                   <a:srgbClr val="7030A0"/>
                 </a:solidFill>
@@ -5560,7 +5560,7 @@
               <a:t>personToEdit</a:t>
             </a:r>
             <a:r>
-              <a:rPr lang="en-SG" sz="1312" dirty="0">
+              <a:rPr lang="en-SG" sz="1600" dirty="0">
                 <a:solidFill>
                   <a:srgbClr val="7030A0"/>
                 </a:solidFill>
@@ -5568,7 +5568,7 @@
               <a:t>, </a:t>
             </a:r>
             <a:r>
-              <a:rPr lang="en-SG" sz="1312" dirty="0" err="1">
+              <a:rPr lang="en-SG" sz="1600" dirty="0" err="1">
                 <a:solidFill>
                   <a:srgbClr val="7030A0"/>
                 </a:solidFill>
@@ -5576,7 +5576,7 @@
               <a:t>personToEditCopy</a:t>
             </a:r>
             <a:r>
-              <a:rPr lang="en-SG" sz="1312" dirty="0">
+              <a:rPr lang="en-SG" sz="1600" dirty="0">
                 <a:solidFill>
                   <a:srgbClr val="7030A0"/>
                 </a:solidFill>
@@ -5643,7 +5643,7 @@
         </p:nvCxnSpPr>
         <p:spPr>
           <a:xfrm>
-            <a:off x="10121900" y="7467661"/>
+            <a:off x="10114535" y="7620061"/>
             <a:ext cx="1139024" cy="0"/>
           </a:xfrm>
           <a:prstGeom prst="straightConnector1">
@@ -5879,7 +5879,7 @@
         <p:spPr>
           <a:xfrm>
             <a:off x="5724225" y="7851224"/>
-            <a:ext cx="1124000" cy="294248"/>
+            <a:ext cx="1124000" cy="338554"/>
           </a:xfrm>
           <a:prstGeom prst="rect">
             <a:avLst/>
@@ -5893,7 +5893,7 @@
           <a:lstStyle/>
           <a:p>
             <a:r>
-              <a:rPr lang="en-SG" sz="1312" dirty="0">
+              <a:rPr lang="en-SG" sz="1600" dirty="0">
                 <a:solidFill>
                   <a:schemeClr val="accent1"/>
                 </a:solidFill>
@@ -5959,8 +5959,8 @@
         </p:nvSpPr>
         <p:spPr>
           <a:xfrm>
-            <a:off x="1258252" y="8024859"/>
-            <a:ext cx="1124000" cy="294248"/>
+            <a:off x="320565" y="8023374"/>
+            <a:ext cx="1124000" cy="338554"/>
           </a:xfrm>
           <a:prstGeom prst="rect">
             <a:avLst/>
@@ -5974,7 +5974,7 @@
           <a:lstStyle/>
           <a:p>
             <a:r>
-              <a:rPr lang="en-SG" sz="1312" dirty="0">
+              <a:rPr lang="en-SG" sz="1600" dirty="0">
                 <a:solidFill>
                   <a:schemeClr val="accent1"/>
                 </a:solidFill>
@@ -6134,8 +6134,8 @@
         </p:nvSpPr>
         <p:spPr>
           <a:xfrm>
-            <a:off x="12192946" y="4667045"/>
-            <a:ext cx="2641618" cy="294248"/>
+            <a:off x="12052319" y="4616645"/>
+            <a:ext cx="2641618" cy="338554"/>
           </a:xfrm>
           <a:prstGeom prst="rect">
             <a:avLst/>
@@ -6149,7 +6149,7 @@
           <a:lstStyle/>
           <a:p>
             <a:r>
-              <a:rPr lang="en-SG" sz="1312" dirty="0" err="1">
+              <a:rPr lang="en-SG" sz="1600" dirty="0" err="1">
                 <a:solidFill>
                   <a:srgbClr val="7030A0"/>
                 </a:solidFill>
@@ -6157,7 +6157,7 @@
               <a:t>getCurrentUser</a:t>
             </a:r>
             <a:r>
-              <a:rPr lang="en-SG" sz="1312" dirty="0">
+              <a:rPr lang="en-SG" sz="1600" dirty="0">
                 <a:solidFill>
                   <a:srgbClr val="7030A0"/>
                 </a:solidFill>
@@ -6181,8 +6181,8 @@
         </p:nvSpPr>
         <p:spPr>
           <a:xfrm>
-            <a:off x="12279610" y="4927986"/>
-            <a:ext cx="2641618" cy="294248"/>
+            <a:off x="12178341" y="4891154"/>
+            <a:ext cx="2641618" cy="338554"/>
           </a:xfrm>
           <a:prstGeom prst="rect">
             <a:avLst/>
@@ -6196,14 +6196,14 @@
           <a:lstStyle/>
           <a:p>
             <a:r>
-              <a:rPr lang="en-SG" sz="1312" dirty="0" err="1">
+              <a:rPr lang="en-SG" sz="1600" dirty="0" err="1">
                 <a:solidFill>
                   <a:srgbClr val="7030A0"/>
                 </a:solidFill>
               </a:rPr>
               <a:t>personToEdit</a:t>
             </a:r>
-            <a:endParaRPr lang="en-SG" sz="1312" dirty="0">
+            <a:endParaRPr lang="en-SG" sz="1600" dirty="0">
               <a:solidFill>
                 <a:srgbClr val="7030A0"/>
               </a:solidFill>
@@ -6320,8 +6320,8 @@
         </p:nvSpPr>
         <p:spPr>
           <a:xfrm>
-            <a:off x="12188218" y="5195953"/>
-            <a:ext cx="2641618" cy="294248"/>
+            <a:off x="11940285" y="5194677"/>
+            <a:ext cx="2641618" cy="338554"/>
           </a:xfrm>
           <a:prstGeom prst="rect">
             <a:avLst/>
@@ -6335,7 +6335,7 @@
           <a:lstStyle/>
           <a:p>
             <a:r>
-              <a:rPr lang="en-SG" sz="1312" dirty="0" err="1">
+              <a:rPr lang="en-SG" sz="1600" dirty="0" err="1">
                 <a:solidFill>
                   <a:srgbClr val="7030A0"/>
                 </a:solidFill>
@@ -6343,7 +6343,7 @@
               <a:t>getFilteredPersonList</a:t>
             </a:r>
             <a:r>
-              <a:rPr lang="en-SG" sz="1312" dirty="0">
+              <a:rPr lang="en-SG" sz="1600" dirty="0">
                 <a:solidFill>
                   <a:srgbClr val="7030A0"/>
                 </a:solidFill>
@@ -6368,7 +6368,7 @@
         <p:spPr>
           <a:xfrm>
             <a:off x="12212522" y="5572932"/>
-            <a:ext cx="2641618" cy="294248"/>
+            <a:ext cx="2641618" cy="338554"/>
           </a:xfrm>
           <a:prstGeom prst="rect">
             <a:avLst/>
@@ -6382,14 +6382,14 @@
           <a:lstStyle/>
           <a:p>
             <a:r>
-              <a:rPr lang="en-SG" sz="1312" dirty="0" err="1">
+              <a:rPr lang="en-SG" sz="1600" dirty="0" err="1">
                 <a:solidFill>
                   <a:srgbClr val="7030A0"/>
                 </a:solidFill>
               </a:rPr>
               <a:t>personToAdd</a:t>
             </a:r>
-            <a:endParaRPr lang="en-SG" sz="1312" dirty="0">
+            <a:endParaRPr lang="en-SG" sz="1600" dirty="0">
               <a:solidFill>
                 <a:srgbClr val="7030A0"/>
               </a:solidFill>
@@ -6506,8 +6506,8 @@
         </p:nvSpPr>
         <p:spPr>
           <a:xfrm>
-            <a:off x="11436000" y="6500100"/>
-            <a:ext cx="2330081" cy="294248"/>
+            <a:off x="10949100" y="6500100"/>
+            <a:ext cx="2816981" cy="338554"/>
           </a:xfrm>
           <a:prstGeom prst="rect">
             <a:avLst/>
@@ -6521,7 +6521,7 @@
           <a:lstStyle/>
           <a:p>
             <a:r>
-              <a:rPr lang="en-SG" sz="1312" dirty="0" err="1">
+              <a:rPr lang="en-SG" sz="1600" dirty="0" err="1">
                 <a:solidFill>
                   <a:srgbClr val="7030A0"/>
                 </a:solidFill>
@@ -6529,7 +6529,7 @@
               <a:t>addFriendInList</a:t>
             </a:r>
             <a:r>
-              <a:rPr lang="en-SG" sz="1312" dirty="0">
+              <a:rPr lang="en-SG" sz="1600" dirty="0">
                 <a:solidFill>
                   <a:srgbClr val="7030A0"/>
                 </a:solidFill>
@@ -6537,7 +6537,7 @@
               <a:t>(</a:t>
             </a:r>
             <a:r>
-              <a:rPr lang="en-SG" sz="1312" dirty="0" err="1">
+              <a:rPr lang="en-SG" sz="1600" dirty="0" err="1">
                 <a:solidFill>
                   <a:srgbClr val="7030A0"/>
                 </a:solidFill>
@@ -6545,7 +6545,7 @@
               <a:t>personToAdd</a:t>
             </a:r>
             <a:r>
-              <a:rPr lang="en-SG" sz="1312" dirty="0">
+              <a:rPr lang="en-SG" sz="1600" dirty="0">
                 <a:solidFill>
                   <a:srgbClr val="7030A0"/>
                 </a:solidFill>
@@ -6571,7 +6571,7 @@
         </p:nvCxnSpPr>
         <p:spPr>
           <a:xfrm flipH="1">
-            <a:off x="10048728" y="5661064"/>
+            <a:off x="10048728" y="5637681"/>
             <a:ext cx="5041992" cy="14202"/>
           </a:xfrm>
           <a:prstGeom prst="straightConnector1">

--- a/docs/diagrams/AddFriendCommand.pptx
+++ b/docs/diagrams/AddFriendCommand.pptx
@@ -6639,6 +6639,57 @@
           </a:fontRef>
         </p:style>
       </p:cxnSp>
+      <p:sp>
+        <p:nvSpPr>
+          <p:cNvPr id="83" name="Multiplication Sign 82">
+            <a:extLst>
+              <a:ext uri="{FF2B5EF4-FFF2-40B4-BE49-F238E27FC236}">
+                <a16:creationId xmlns:a16="http://schemas.microsoft.com/office/drawing/2014/main" id="{C124BFBA-3DD8-40FA-A325-48F4A4EFFA3E}"/>
+              </a:ext>
+            </a:extLst>
+          </p:cNvPr>
+          <p:cNvSpPr/>
+          <p:nvPr/>
+        </p:nvSpPr>
+        <p:spPr>
+          <a:xfrm>
+            <a:off x="9857968" y="8353251"/>
+            <a:ext cx="116985" cy="184700"/>
+          </a:xfrm>
+          <a:prstGeom prst="mathMultiply">
+            <a:avLst/>
+          </a:prstGeom>
+        </p:spPr>
+        <p:style>
+          <a:lnRef idx="2">
+            <a:schemeClr val="accent1">
+              <a:shade val="50000"/>
+            </a:schemeClr>
+          </a:lnRef>
+          <a:fillRef idx="1">
+            <a:schemeClr val="accent1"/>
+          </a:fillRef>
+          <a:effectRef idx="0">
+            <a:schemeClr val="accent1"/>
+          </a:effectRef>
+          <a:fontRef idx="minor">
+            <a:schemeClr val="lt1"/>
+          </a:fontRef>
+        </p:style>
+        <p:txBody>
+          <a:bodyPr rot="0" spcFirstLastPara="0" vertOverflow="overflow" horzOverflow="overflow" vert="horz" wrap="square" lIns="119994" tIns="59997" rIns="119994" bIns="59997" numCol="1" spcCol="0" rtlCol="0" fromWordArt="0" anchor="ctr" anchorCtr="0" forceAA="0" compatLnSpc="1">
+            <a:prstTxWarp prst="textNoShape">
+              <a:avLst/>
+            </a:prstTxWarp>
+            <a:noAutofit/>
+          </a:bodyPr>
+          <a:lstStyle/>
+          <a:p>
+            <a:pPr algn="ctr"/>
+            <a:endParaRPr lang="en-SG" sz="2362"/>
+          </a:p>
+        </p:txBody>
+      </p:sp>
     </p:spTree>
     <p:extLst>
       <p:ext uri="{BB962C8B-B14F-4D97-AF65-F5344CB8AC3E}">
